--- a/docs/scrum/sprint2/Sprint 2 Review_Retrospective 06252015.pptx
+++ b/docs/scrum/sprint2/Sprint 2 Review_Retrospective 06252015.pptx
@@ -6535,7 +6535,7 @@
                 <a:ea typeface="Calibri" panose="020F0502020204030204" pitchFamily="34" charset="0"/>
                 <a:cs typeface="Times New Roman" panose="02020603050405020304" pitchFamily="18" charset="0"/>
               </a:rPr>
-              <a:t>Enhancement </a:t>
+              <a:t>Usability Enhancement </a:t>
             </a:r>
             <a:endParaRPr lang="en-US" sz="1400" dirty="0">
               <a:solidFill>
@@ -6778,16 +6778,6 @@
               </a:rPr>
               <a:t>6/29/2015</a:t>
             </a:r>
-            <a:endParaRPr lang="en-US" sz="1400" dirty="0" smtClean="0">
-              <a:solidFill>
-                <a:schemeClr val="bg1">
-                  <a:lumMod val="65000"/>
-                </a:schemeClr>
-              </a:solidFill>
-              <a:latin typeface="Arial" panose="020B0604020202020204" pitchFamily="34" charset="0"/>
-              <a:ea typeface="Calibri" panose="020F0502020204030204" pitchFamily="34" charset="0"/>
-              <a:cs typeface="Times New Roman" panose="02020603050405020304" pitchFamily="18" charset="0"/>
-            </a:endParaRPr>
           </a:p>
           <a:p>
             <a:pPr marL="800100" lvl="1" indent="-342900">
@@ -7206,11 +7196,7 @@
             </a:pPr>
             <a:r>
               <a:rPr lang="en-US" sz="1400" dirty="0" smtClean="0"/>
-              <a:t>What </a:t>
-            </a:r>
-            <a:r>
-              <a:rPr lang="en-US" sz="1400" dirty="0" smtClean="0"/>
-              <a:t>did not go well?</a:t>
+              <a:t>What did not go well?</a:t>
             </a:r>
           </a:p>
           <a:p>
@@ -7230,11 +7216,7 @@
             </a:pPr>
             <a:r>
               <a:rPr lang="en-US" sz="1400" dirty="0" smtClean="0"/>
-              <a:t>Merge into integration steady stream of </a:t>
-            </a:r>
-            <a:r>
-              <a:rPr lang="en-US" sz="1400" dirty="0" smtClean="0"/>
-              <a:t>check-in into integration – challenge ready to check-in but someone made changes, had to take a step back (find happy medium to mitigate the challenge), may need more servers, Jenkins job or add process to slow down features into CI – solution: need to pull down updates before commit </a:t>
+              <a:t>Merge into integration steady stream of check-in into integration – challenge ready to check-in but someone made changes, had to take a step back (find happy medium to mitigate the challenge), may need more servers, Jenkins job or add process to slow down features into CI – solution: need to pull down updates before commit </a:t>
             </a:r>
           </a:p>
           <a:p>
@@ -7261,11 +7243,7 @@
             </a:pPr>
             <a:r>
               <a:rPr lang="en-US" sz="1400" dirty="0" smtClean="0"/>
-              <a:t>What </a:t>
-            </a:r>
-            <a:r>
-              <a:rPr lang="en-US" sz="1400" dirty="0" smtClean="0"/>
-              <a:t>would you change?</a:t>
+              <a:t>What would you change?</a:t>
             </a:r>
           </a:p>
           <a:p>
@@ -9119,21 +9097,8 @@
                   <a:schemeClr val="bg1"/>
                 </a:solidFill>
               </a:rPr>
-              <a:t>Sprint 2: UI Mock </a:t>
-            </a:r>
-            <a:r>
-              <a:rPr lang="en-US" b="1" dirty="0" smtClean="0">
-                <a:solidFill>
-                  <a:schemeClr val="bg1"/>
-                </a:solidFill>
-              </a:rPr>
-              <a:t>Up</a:t>
-            </a:r>
-            <a:endParaRPr lang="en-US" b="1" dirty="0" smtClean="0">
-              <a:solidFill>
-                <a:schemeClr val="bg1"/>
-              </a:solidFill>
-            </a:endParaRPr>
+              <a:t>Sprint 2: UI Mock Up</a:t>
+            </a:r>
           </a:p>
         </p:txBody>
       </p:sp>
@@ -9373,7 +9338,6 @@
               <a:rPr lang="en-US" dirty="0"/>
               <a:t>Add to readme – playbook link and justifications</a:t>
             </a:r>
-            <a:endParaRPr lang="en-US" dirty="0"/>
           </a:p>
         </p:txBody>
       </p:sp>
@@ -10579,12 +10543,12 @@
 <file path=customXml/itemProps3.xml><?xml version="1.0" encoding="utf-8"?>
 <ds:datastoreItem xmlns:ds="http://schemas.openxmlformats.org/officeDocument/2006/customXml" ds:itemID="{046750FF-301D-47F3-B680-CFD09E2B16C2}">
   <ds:schemaRefs>
+    <ds:schemaRef ds:uri="http://purl.org/dc/elements/1.1/"/>
+    <ds:schemaRef ds:uri="http://schemas.microsoft.com/office/2006/metadata/properties"/>
     <ds:schemaRef ds:uri="http://purl.org/dc/terms/"/>
     <ds:schemaRef ds:uri="http://schemas.openxmlformats.org/package/2006/metadata/core-properties"/>
+    <ds:schemaRef ds:uri="http://schemas.microsoft.com/office/2006/documentManagement/types"/>
     <ds:schemaRef ds:uri="http://purl.org/dc/dcmitype/"/>
-    <ds:schemaRef ds:uri="http://purl.org/dc/elements/1.1/"/>
-    <ds:schemaRef ds:uri="http://schemas.microsoft.com/office/2006/metadata/properties"/>
-    <ds:schemaRef ds:uri="http://schemas.microsoft.com/office/2006/documentManagement/types"/>
     <ds:schemaRef ds:uri="http://www.w3.org/XML/1998/namespace"/>
   </ds:schemaRefs>
 </ds:datastoreItem>

--- a/docs/scrum/sprint2/Sprint 2 Review_Retrospective 06252015.pptx
+++ b/docs/scrum/sprint2/Sprint 2 Review_Retrospective 06252015.pptx
@@ -222,7 +222,7 @@
             <a:fld id="{93F31936-34FB-46D7-8B5B-9A9CF58989DC}" type="datetimeFigureOut">
               <a:rPr lang="en-US" smtClean="0"/>
               <a:pPr/>
-              <a:t>6/25/2015</a:t>
+              <a:t>6/29/2015</a:t>
             </a:fld>
             <a:endParaRPr lang="en-US"/>
           </a:p>
@@ -2444,7 +2444,7 @@
             <a:fld id="{31CC4B11-A6A5-4D9E-9368-043FB2A4AF23}" type="datetimeFigureOut">
               <a:rPr lang="en-US" smtClean="0"/>
               <a:pPr/>
-              <a:t>6/25/2015</a:t>
+              <a:t>6/29/2015</a:t>
             </a:fld>
             <a:endParaRPr lang="en-US"/>
           </a:p>
@@ -2611,7 +2611,7 @@
             <a:fld id="{31CC4B11-A6A5-4D9E-9368-043FB2A4AF23}" type="datetimeFigureOut">
               <a:rPr lang="en-US" smtClean="0"/>
               <a:pPr/>
-              <a:t>6/25/2015</a:t>
+              <a:t>6/29/2015</a:t>
             </a:fld>
             <a:endParaRPr lang="en-US"/>
           </a:p>
@@ -2788,7 +2788,7 @@
             <a:fld id="{31CC4B11-A6A5-4D9E-9368-043FB2A4AF23}" type="datetimeFigureOut">
               <a:rPr lang="en-US" smtClean="0"/>
               <a:pPr/>
-              <a:t>6/25/2015</a:t>
+              <a:t>6/29/2015</a:t>
             </a:fld>
             <a:endParaRPr lang="en-US"/>
           </a:p>
@@ -2955,7 +2955,7 @@
             <a:fld id="{31CC4B11-A6A5-4D9E-9368-043FB2A4AF23}" type="datetimeFigureOut">
               <a:rPr lang="en-US" smtClean="0"/>
               <a:pPr/>
-              <a:t>6/25/2015</a:t>
+              <a:t>6/29/2015</a:t>
             </a:fld>
             <a:endParaRPr lang="en-US"/>
           </a:p>
@@ -3198,7 +3198,7 @@
             <a:fld id="{31CC4B11-A6A5-4D9E-9368-043FB2A4AF23}" type="datetimeFigureOut">
               <a:rPr lang="en-US" smtClean="0"/>
               <a:pPr/>
-              <a:t>6/25/2015</a:t>
+              <a:t>6/29/2015</a:t>
             </a:fld>
             <a:endParaRPr lang="en-US"/>
           </a:p>
@@ -3483,7 +3483,7 @@
             <a:fld id="{31CC4B11-A6A5-4D9E-9368-043FB2A4AF23}" type="datetimeFigureOut">
               <a:rPr lang="en-US" smtClean="0"/>
               <a:pPr/>
-              <a:t>6/25/2015</a:t>
+              <a:t>6/29/2015</a:t>
             </a:fld>
             <a:endParaRPr lang="en-US"/>
           </a:p>
@@ -3902,7 +3902,7 @@
             <a:fld id="{31CC4B11-A6A5-4D9E-9368-043FB2A4AF23}" type="datetimeFigureOut">
               <a:rPr lang="en-US" smtClean="0"/>
               <a:pPr/>
-              <a:t>6/25/2015</a:t>
+              <a:t>6/29/2015</a:t>
             </a:fld>
             <a:endParaRPr lang="en-US"/>
           </a:p>
@@ -4017,7 +4017,7 @@
             <a:fld id="{31CC4B11-A6A5-4D9E-9368-043FB2A4AF23}" type="datetimeFigureOut">
               <a:rPr lang="en-US" smtClean="0"/>
               <a:pPr/>
-              <a:t>6/25/2015</a:t>
+              <a:t>6/29/2015</a:t>
             </a:fld>
             <a:endParaRPr lang="en-US"/>
           </a:p>
@@ -4109,7 +4109,7 @@
             <a:fld id="{31CC4B11-A6A5-4D9E-9368-043FB2A4AF23}" type="datetimeFigureOut">
               <a:rPr lang="en-US" smtClean="0"/>
               <a:pPr/>
-              <a:t>6/25/2015</a:t>
+              <a:t>6/29/2015</a:t>
             </a:fld>
             <a:endParaRPr lang="en-US"/>
           </a:p>
@@ -4383,7 +4383,7 @@
             <a:fld id="{31CC4B11-A6A5-4D9E-9368-043FB2A4AF23}" type="datetimeFigureOut">
               <a:rPr lang="en-US" smtClean="0"/>
               <a:pPr/>
-              <a:t>6/25/2015</a:t>
+              <a:t>6/29/2015</a:t>
             </a:fld>
             <a:endParaRPr lang="en-US"/>
           </a:p>
@@ -4637,7 +4637,7 @@
             <a:fld id="{31CC4B11-A6A5-4D9E-9368-043FB2A4AF23}" type="datetimeFigureOut">
               <a:rPr lang="en-US" smtClean="0"/>
               <a:pPr/>
-              <a:t>6/25/2015</a:t>
+              <a:t>6/29/2015</a:t>
             </a:fld>
             <a:endParaRPr lang="en-US"/>
           </a:p>
@@ -4861,7 +4861,7 @@
             <a:fld id="{31CC4B11-A6A5-4D9E-9368-043FB2A4AF23}" type="datetimeFigureOut">
               <a:rPr lang="en-US" smtClean="0"/>
               <a:pPr/>
-              <a:t>6/25/2015</a:t>
+              <a:t>6/29/2015</a:t>
             </a:fld>
             <a:endParaRPr lang="en-US"/>
           </a:p>
@@ -5731,6 +5731,15 @@
               </a:rPr>
               <a:t>Sprint 2 Review </a:t>
             </a:r>
+            <a:r>
+              <a:rPr lang="en-US" sz="2000" b="1" smtClean="0">
+                <a:latin typeface="Gill Sans MT" pitchFamily="34" charset="0"/>
+              </a:rPr>
+              <a:t>and Retrospective</a:t>
+            </a:r>
+            <a:endParaRPr lang="en-US" sz="2000" b="1" dirty="0" smtClean="0">
+              <a:latin typeface="Gill Sans MT" pitchFamily="34" charset="0"/>
+            </a:endParaRPr>
           </a:p>
           <a:p>
             <a:pPr algn="ctr"/>
@@ -10547,8 +10556,8 @@
     <ds:schemaRef ds:uri="http://schemas.microsoft.com/office/2006/metadata/properties"/>
     <ds:schemaRef ds:uri="http://purl.org/dc/terms/"/>
     <ds:schemaRef ds:uri="http://schemas.openxmlformats.org/package/2006/metadata/core-properties"/>
+    <ds:schemaRef ds:uri="http://purl.org/dc/dcmitype/"/>
     <ds:schemaRef ds:uri="http://schemas.microsoft.com/office/2006/documentManagement/types"/>
-    <ds:schemaRef ds:uri="http://purl.org/dc/dcmitype/"/>
     <ds:schemaRef ds:uri="http://www.w3.org/XML/1998/namespace"/>
   </ds:schemaRefs>
 </ds:datastoreItem>
